--- a/doc/230926-差分测试汇报.pptx
+++ b/doc/230926-差分测试汇报.pptx
@@ -3192,7 +3192,7 @@
                 <a:ea typeface="微软雅黑" charset="-122"/>
                 <a:cs typeface="微软雅黑" charset="-122"/>
               </a:rPr>
-              <a:t>：在框架官方网站的文档中使用收集信息，并保存为设计好的标准格式。</a:t>
+              <a:t>：在框架官方网站提供的文档中收集信息，并保存为设计好的标准格式。</a:t>
             </a:r>
             <a:endParaRPr lang="en-US" altLang="zh-CN" sz="2000" dirty="0">
               <a:latin typeface="微软雅黑" charset="-122"/>
@@ -3222,7 +3222,7 @@
                 <a:ea typeface="微软雅黑" charset="-122"/>
                 <a:cs typeface="微软雅黑" charset="-122"/>
               </a:rPr>
-              <a:t>：对之前使用过的框架信息进行补充，完善和修正各个词条</a:t>
+              <a:t>：对之前使用过的框架信息进行补充、完善和修正</a:t>
             </a:r>
             <a:endParaRPr lang="en-US" altLang="zh-CN" sz="2000" dirty="0">
               <a:latin typeface="微软雅黑" charset="-122"/>
@@ -4024,7 +4024,7 @@
         </p:nvSpPr>
         <p:spPr>
           <a:xfrm>
-            <a:off x="1882596" y="1327843"/>
+            <a:off x="1882596" y="978468"/>
             <a:ext cx="3950112" cy="1679871"/>
           </a:xfrm>
           <a:custGeom>
@@ -4246,7 +4246,7 @@
         </p:nvSpPr>
         <p:spPr>
           <a:xfrm>
-            <a:off x="7295394" y="1265383"/>
+            <a:off x="7295394" y="916008"/>
             <a:ext cx="2465820" cy="2629366"/>
           </a:xfrm>
           <a:custGeom>
@@ -4468,7 +4468,7 @@
         </p:nvSpPr>
         <p:spPr>
           <a:xfrm>
-            <a:off x="1882596" y="3364469"/>
+            <a:off x="1882596" y="3015094"/>
             <a:ext cx="1230059" cy="537596"/>
           </a:xfrm>
           <a:custGeom>
@@ -5870,7 +5870,7 @@
         </p:nvSpPr>
         <p:spPr>
           <a:xfrm>
-            <a:off x="7427141" y="1998292"/>
+            <a:off x="7427141" y="1648917"/>
             <a:ext cx="2202323" cy="476622"/>
           </a:xfrm>
           <a:prstGeom prst="rect">
@@ -5926,7 +5926,7 @@
         </p:nvSpPr>
         <p:spPr>
           <a:xfrm>
-            <a:off x="7427140" y="2555544"/>
+            <a:off x="7427140" y="2206169"/>
             <a:ext cx="2202323" cy="452171"/>
           </a:xfrm>
           <a:prstGeom prst="rect">
@@ -5982,7 +5982,7 @@
         </p:nvSpPr>
         <p:spPr>
           <a:xfrm>
-            <a:off x="7427140" y="3101571"/>
+            <a:off x="7427140" y="2752196"/>
             <a:ext cx="2202323" cy="452171"/>
           </a:xfrm>
           <a:prstGeom prst="rect">
@@ -6038,7 +6038,7 @@
         </p:nvSpPr>
         <p:spPr>
           <a:xfrm>
-            <a:off x="7721028" y="1466307"/>
+            <a:off x="7721028" y="1116932"/>
             <a:ext cx="1614545" cy="369332"/>
           </a:xfrm>
           <a:prstGeom prst="rect">
@@ -6074,7 +6074,7 @@
         </p:nvSpPr>
         <p:spPr>
           <a:xfrm>
-            <a:off x="2425389" y="1909983"/>
+            <a:off x="2425389" y="1560608"/>
             <a:ext cx="2864526" cy="419645"/>
           </a:xfrm>
           <a:prstGeom prst="rect">
@@ -6130,7 +6130,7 @@
         </p:nvSpPr>
         <p:spPr>
           <a:xfrm>
-            <a:off x="2425389" y="2459396"/>
+            <a:off x="2425389" y="2110021"/>
             <a:ext cx="2864526" cy="419645"/>
           </a:xfrm>
           <a:prstGeom prst="rect">
@@ -6186,8 +6186,8 @@
         </p:nvSpPr>
         <p:spPr>
           <a:xfrm>
-            <a:off x="2675277" y="1403815"/>
-            <a:ext cx="2364750" cy="369332"/>
+            <a:off x="3170424" y="1116932"/>
+            <a:ext cx="1370888" cy="369332"/>
           </a:xfrm>
           <a:prstGeom prst="rect">
             <a:avLst/>
@@ -6202,7 +6202,7 @@
           <a:p>
             <a:r>
               <a:rPr lang="en-US" altLang="zh-CN" dirty="0"/>
-              <a:t>Case Runner (Abstract)</a:t>
+              <a:t>Case Runner</a:t>
             </a:r>
             <a:endParaRPr lang="zh-CN" altLang="en-US" dirty="0"/>
           </a:p>
@@ -6222,7 +6222,7 @@
         </p:nvSpPr>
         <p:spPr>
           <a:xfrm>
-            <a:off x="3240839" y="3357153"/>
+            <a:off x="3240839" y="3007778"/>
             <a:ext cx="1230059" cy="537596"/>
           </a:xfrm>
           <a:custGeom>
@@ -6444,7 +6444,7 @@
         </p:nvSpPr>
         <p:spPr>
           <a:xfrm>
-            <a:off x="4602649" y="3364469"/>
+            <a:off x="4602649" y="3015094"/>
             <a:ext cx="1230059" cy="537596"/>
           </a:xfrm>
           <a:custGeom>
@@ -6666,7 +6666,7 @@
         </p:nvSpPr>
         <p:spPr>
           <a:xfrm>
-            <a:off x="1952943" y="3429000"/>
+            <a:off x="1952943" y="3079625"/>
             <a:ext cx="1089363" cy="410164"/>
           </a:xfrm>
           <a:prstGeom prst="rect">
@@ -6723,7 +6723,7 @@
         </p:nvSpPr>
         <p:spPr>
           <a:xfrm>
-            <a:off x="3311187" y="3415581"/>
+            <a:off x="3311187" y="3066206"/>
             <a:ext cx="1094558" cy="410164"/>
           </a:xfrm>
           <a:prstGeom prst="rect">
@@ -6780,7 +6780,7 @@
         </p:nvSpPr>
         <p:spPr>
           <a:xfrm>
-            <a:off x="4657559" y="3423020"/>
+            <a:off x="4657559" y="3073645"/>
             <a:ext cx="1105932" cy="410164"/>
           </a:xfrm>
           <a:prstGeom prst="rect">
@@ -6825,65 +6825,6 @@
       </p:sp>
       <p:sp>
         <p:nvSpPr>
-          <p:cNvPr id="56" name="箭头: 手杖形 55">
-            <a:extLst>
-              <a:ext uri="{FF2B5EF4-FFF2-40B4-BE49-F238E27FC236}">
-                <a16:creationId xmlns:a16="http://schemas.microsoft.com/office/drawing/2014/main" id="{1BE182C9-D259-F4D0-F759-AEF80A098550}"/>
-              </a:ext>
-            </a:extLst>
-          </p:cNvPr>
-          <p:cNvSpPr/>
-          <p:nvPr/>
-        </p:nvSpPr>
-        <p:spPr>
-          <a:xfrm rot="16200000">
-            <a:off x="-155984" y="3126693"/>
-            <a:ext cx="3377046" cy="943623"/>
-          </a:xfrm>
-          <a:prstGeom prst="uturnArrow">
-            <a:avLst>
-              <a:gd name="adj1" fmla="val 25465"/>
-              <a:gd name="adj2" fmla="val 23042"/>
-              <a:gd name="adj3" fmla="val 29209"/>
-              <a:gd name="adj4" fmla="val 27110"/>
-              <a:gd name="adj5" fmla="val 75000"/>
-            </a:avLst>
-          </a:prstGeom>
-          <a:solidFill>
-            <a:srgbClr val="730067"/>
-          </a:solidFill>
-        </p:spPr>
-        <p:style>
-          <a:lnRef idx="2">
-            <a:schemeClr val="accent1">
-              <a:shade val="15000"/>
-            </a:schemeClr>
-          </a:lnRef>
-          <a:fillRef idx="1">
-            <a:schemeClr val="accent1"/>
-          </a:fillRef>
-          <a:effectRef idx="0">
-            <a:schemeClr val="accent1"/>
-          </a:effectRef>
-          <a:fontRef idx="minor">
-            <a:schemeClr val="lt1"/>
-          </a:fontRef>
-        </p:style>
-        <p:txBody>
-          <a:bodyPr rtlCol="0" anchor="ctr"/>
-          <a:lstStyle/>
-          <a:p>
-            <a:pPr algn="ctr"/>
-            <a:endParaRPr lang="zh-CN" altLang="en-US">
-              <a:solidFill>
-                <a:schemeClr val="tx1"/>
-              </a:solidFill>
-            </a:endParaRPr>
-          </a:p>
-        </p:txBody>
-      </p:sp>
-      <p:sp>
-        <p:nvSpPr>
           <p:cNvPr id="57" name="文本框 56">
             <a:extLst>
               <a:ext uri="{FF2B5EF4-FFF2-40B4-BE49-F238E27FC236}">
@@ -6896,7 +6837,7 @@
         </p:nvSpPr>
         <p:spPr>
           <a:xfrm>
-            <a:off x="2453" y="3435997"/>
+            <a:off x="3306404" y="3667542"/>
             <a:ext cx="1107996" cy="369332"/>
           </a:xfrm>
           <a:prstGeom prst="rect">
@@ -6931,7 +6872,7 @@
         </p:nvSpPr>
         <p:spPr>
           <a:xfrm>
-            <a:off x="22772" y="3422003"/>
+            <a:off x="3326723" y="3653548"/>
             <a:ext cx="1017328" cy="383326"/>
           </a:xfrm>
           <a:custGeom>
@@ -7155,7 +7096,7 @@
         </p:nvSpPr>
         <p:spPr>
           <a:xfrm>
-            <a:off x="2352292" y="3020072"/>
+            <a:off x="2352292" y="2670697"/>
             <a:ext cx="359318" cy="337081"/>
           </a:xfrm>
           <a:prstGeom prst="downArrow">
@@ -7204,7 +7145,7 @@
         </p:nvSpPr>
         <p:spPr>
           <a:xfrm>
-            <a:off x="3677993" y="3039925"/>
+            <a:off x="3677993" y="2690550"/>
             <a:ext cx="359318" cy="337081"/>
           </a:xfrm>
           <a:prstGeom prst="downArrow">
@@ -7253,7 +7194,7 @@
         </p:nvSpPr>
         <p:spPr>
           <a:xfrm>
-            <a:off x="4987622" y="3023998"/>
+            <a:off x="4987622" y="2674623"/>
             <a:ext cx="359318" cy="337081"/>
           </a:xfrm>
           <a:prstGeom prst="downArrow">
@@ -7302,7 +7243,7 @@
         </p:nvSpPr>
         <p:spPr>
           <a:xfrm flipH="1">
-            <a:off x="5832706" y="1998292"/>
+            <a:off x="5832706" y="1648917"/>
             <a:ext cx="1462683" cy="331336"/>
           </a:xfrm>
           <a:prstGeom prst="rightArrow">
@@ -7342,65 +7283,6 @@
       </p:sp>
       <p:sp>
         <p:nvSpPr>
-          <p:cNvPr id="65" name="箭头: 手杖形 64">
-            <a:extLst>
-              <a:ext uri="{FF2B5EF4-FFF2-40B4-BE49-F238E27FC236}">
-                <a16:creationId xmlns:a16="http://schemas.microsoft.com/office/drawing/2014/main" id="{390A0312-1C4E-23C0-0FAD-9D0A1A60018D}"/>
-              </a:ext>
-            </a:extLst>
-          </p:cNvPr>
-          <p:cNvSpPr/>
-          <p:nvPr/>
-        </p:nvSpPr>
-        <p:spPr>
-          <a:xfrm rot="16200000" flipV="1">
-            <a:off x="8402173" y="3188316"/>
-            <a:ext cx="3377046" cy="943622"/>
-          </a:xfrm>
-          <a:prstGeom prst="uturnArrow">
-            <a:avLst>
-              <a:gd name="adj1" fmla="val 25465"/>
-              <a:gd name="adj2" fmla="val 23042"/>
-              <a:gd name="adj3" fmla="val 29209"/>
-              <a:gd name="adj4" fmla="val 27110"/>
-              <a:gd name="adj5" fmla="val 75000"/>
-            </a:avLst>
-          </a:prstGeom>
-          <a:solidFill>
-            <a:srgbClr val="730067"/>
-          </a:solidFill>
-        </p:spPr>
-        <p:style>
-          <a:lnRef idx="2">
-            <a:schemeClr val="accent1">
-              <a:shade val="15000"/>
-            </a:schemeClr>
-          </a:lnRef>
-          <a:fillRef idx="1">
-            <a:schemeClr val="accent1"/>
-          </a:fillRef>
-          <a:effectRef idx="0">
-            <a:schemeClr val="accent1"/>
-          </a:effectRef>
-          <a:fontRef idx="minor">
-            <a:schemeClr val="lt1"/>
-          </a:fontRef>
-        </p:style>
-        <p:txBody>
-          <a:bodyPr rtlCol="0" anchor="ctr"/>
-          <a:lstStyle/>
-          <a:p>
-            <a:pPr algn="ctr"/>
-            <a:endParaRPr lang="zh-CN" altLang="en-US">
-              <a:solidFill>
-                <a:schemeClr val="tx1"/>
-              </a:solidFill>
-            </a:endParaRPr>
-          </a:p>
-        </p:txBody>
-      </p:sp>
-      <p:sp>
-        <p:nvSpPr>
           <p:cNvPr id="66" name="任意多边形: 形状 65">
             <a:extLst>
               <a:ext uri="{FF2B5EF4-FFF2-40B4-BE49-F238E27FC236}">
@@ -7413,8 +7295,8 @@
         </p:nvSpPr>
         <p:spPr>
           <a:xfrm>
-            <a:off x="10727189" y="3377006"/>
-            <a:ext cx="1017328" cy="894782"/>
+            <a:off x="6876572" y="3672409"/>
+            <a:ext cx="2342266" cy="369332"/>
           </a:xfrm>
           <a:custGeom>
             <a:avLst/>
@@ -7637,8 +7519,8 @@
         </p:nvSpPr>
         <p:spPr>
           <a:xfrm>
-            <a:off x="10701610" y="3362732"/>
-            <a:ext cx="1107996" cy="923330"/>
+            <a:off x="6850993" y="3658135"/>
+            <a:ext cx="2367845" cy="369332"/>
           </a:xfrm>
           <a:prstGeom prst="rect">
             <a:avLst/>
@@ -7646,7 +7528,7 @@
           <a:noFill/>
         </p:spPr>
         <p:txBody>
-          <a:bodyPr wrap="none" rtlCol="0">
+          <a:bodyPr wrap="square" rtlCol="0">
             <a:spAutoFit/>
           </a:bodyPr>
           <a:lstStyle/>
@@ -7656,17 +7538,10 @@
               <a:rPr lang="zh-CN" altLang="en-US" dirty="0"/>
               <a:t>接口信息</a:t>
             </a:r>
-            <a:endParaRPr lang="en-US" altLang="zh-CN" dirty="0"/>
-          </a:p>
-          <a:p>
-            <a:pPr algn="ctr"/>
             <a:r>
               <a:rPr lang="en-US" altLang="zh-CN" dirty="0"/>
               <a:t>&amp;</a:t>
             </a:r>
-          </a:p>
-          <a:p>
-            <a:pPr algn="ctr"/>
             <a:r>
               <a:rPr lang="zh-CN" altLang="en-US" dirty="0"/>
               <a:t>相似度</a:t>
@@ -7688,7 +7563,7 @@
         </p:nvSpPr>
         <p:spPr>
           <a:xfrm>
-            <a:off x="6082596" y="1560458"/>
+            <a:off x="6082596" y="1211083"/>
             <a:ext cx="1017328" cy="383326"/>
           </a:xfrm>
           <a:custGeom>
@@ -7912,7 +7787,7 @@
         </p:nvSpPr>
         <p:spPr>
           <a:xfrm>
-            <a:off x="6082596" y="1582844"/>
+            <a:off x="6082596" y="1233469"/>
             <a:ext cx="1063112" cy="338554"/>
           </a:xfrm>
           <a:prstGeom prst="rect">
@@ -7921,7 +7796,7 @@
           <a:noFill/>
         </p:spPr>
         <p:txBody>
-          <a:bodyPr wrap="none" rtlCol="0">
+          <a:bodyPr wrap="square" rtlCol="0">
             <a:spAutoFit/>
           </a:bodyPr>
           <a:lstStyle/>
@@ -7952,7 +7827,7 @@
         </p:nvSpPr>
         <p:spPr>
           <a:xfrm>
-            <a:off x="6055384" y="2828455"/>
+            <a:off x="5958304" y="2709037"/>
             <a:ext cx="1090324" cy="360894"/>
           </a:xfrm>
           <a:custGeom>
@@ -8176,7 +8051,7 @@
         </p:nvSpPr>
         <p:spPr>
           <a:xfrm>
-            <a:off x="6031300" y="2838437"/>
+            <a:off x="5934220" y="2719019"/>
             <a:ext cx="1165704" cy="338554"/>
           </a:xfrm>
           <a:prstGeom prst="rect">
@@ -8219,13 +8094,65 @@
         </p:nvSpPr>
         <p:spPr>
           <a:xfrm>
-            <a:off x="5858287" y="3473993"/>
+            <a:off x="5858287" y="3124618"/>
             <a:ext cx="1437102" cy="331336"/>
           </a:xfrm>
           <a:prstGeom prst="rightArrow">
             <a:avLst>
               <a:gd name="adj1" fmla="val 50000"/>
               <a:gd name="adj2" fmla="val 86239"/>
+            </a:avLst>
+          </a:prstGeom>
+          <a:solidFill>
+            <a:srgbClr val="730067"/>
+          </a:solidFill>
+        </p:spPr>
+        <p:style>
+          <a:lnRef idx="2">
+            <a:schemeClr val="accent1">
+              <a:shade val="15000"/>
+            </a:schemeClr>
+          </a:lnRef>
+          <a:fillRef idx="1">
+            <a:schemeClr val="accent1"/>
+          </a:fillRef>
+          <a:effectRef idx="0">
+            <a:schemeClr val="accent1"/>
+          </a:effectRef>
+          <a:fontRef idx="minor">
+            <a:schemeClr val="lt1"/>
+          </a:fontRef>
+        </p:style>
+        <p:txBody>
+          <a:bodyPr rtlCol="0" anchor="ctr"/>
+          <a:lstStyle/>
+          <a:p>
+            <a:pPr algn="ctr"/>
+            <a:endParaRPr lang="zh-CN" altLang="en-US"/>
+          </a:p>
+        </p:txBody>
+      </p:sp>
+      <p:sp>
+        <p:nvSpPr>
+          <p:cNvPr id="2" name="箭头: 右 1">
+            <a:extLst>
+              <a:ext uri="{FF2B5EF4-FFF2-40B4-BE49-F238E27FC236}">
+                <a16:creationId xmlns:a16="http://schemas.microsoft.com/office/drawing/2014/main" id="{EED67B3D-E1E6-BFAF-65E8-20A19EDF3445}"/>
+              </a:ext>
+            </a:extLst>
+          </p:cNvPr>
+          <p:cNvSpPr/>
+          <p:nvPr/>
+        </p:nvSpPr>
+        <p:spPr>
+          <a:xfrm rot="16200000">
+            <a:off x="5462050" y="3339759"/>
+            <a:ext cx="427790" cy="1017328"/>
+          </a:xfrm>
+          <a:prstGeom prst="rightArrow">
+            <a:avLst>
+              <a:gd name="adj1" fmla="val 50000"/>
+              <a:gd name="adj2" fmla="val 52632"/>
             </a:avLst>
           </a:prstGeom>
           <a:solidFill>
@@ -10904,6 +10831,110 @@
               <a:t>……</a:t>
             </a:r>
             <a:endParaRPr lang="zh-CN" altLang="en-US" dirty="0"/>
+          </a:p>
+        </p:txBody>
+      </p:sp>
+      <p:sp>
+        <p:nvSpPr>
+          <p:cNvPr id="6" name="箭头: 右 5">
+            <a:extLst>
+              <a:ext uri="{FF2B5EF4-FFF2-40B4-BE49-F238E27FC236}">
+                <a16:creationId xmlns:a16="http://schemas.microsoft.com/office/drawing/2014/main" id="{A6464BA5-663B-468A-050C-90758C009E20}"/>
+              </a:ext>
+            </a:extLst>
+          </p:cNvPr>
+          <p:cNvSpPr/>
+          <p:nvPr/>
+        </p:nvSpPr>
+        <p:spPr>
+          <a:xfrm rot="5400000">
+            <a:off x="9658355" y="1575521"/>
+            <a:ext cx="307777" cy="157308"/>
+          </a:xfrm>
+          <a:prstGeom prst="rightArrow">
+            <a:avLst>
+              <a:gd name="adj1" fmla="val 50000"/>
+              <a:gd name="adj2" fmla="val 86239"/>
+            </a:avLst>
+          </a:prstGeom>
+          <a:solidFill>
+            <a:srgbClr val="730067"/>
+          </a:solidFill>
+        </p:spPr>
+        <p:style>
+          <a:lnRef idx="2">
+            <a:schemeClr val="accent1">
+              <a:shade val="15000"/>
+            </a:schemeClr>
+          </a:lnRef>
+          <a:fillRef idx="1">
+            <a:schemeClr val="accent1"/>
+          </a:fillRef>
+          <a:effectRef idx="0">
+            <a:schemeClr val="accent1"/>
+          </a:effectRef>
+          <a:fontRef idx="minor">
+            <a:schemeClr val="lt1"/>
+          </a:fontRef>
+        </p:style>
+        <p:txBody>
+          <a:bodyPr rtlCol="0" anchor="ctr"/>
+          <a:lstStyle/>
+          <a:p>
+            <a:pPr algn="ctr"/>
+            <a:endParaRPr lang="zh-CN" altLang="en-US"/>
+          </a:p>
+        </p:txBody>
+      </p:sp>
+      <p:sp>
+        <p:nvSpPr>
+          <p:cNvPr id="8" name="箭头: 右 7">
+            <a:extLst>
+              <a:ext uri="{FF2B5EF4-FFF2-40B4-BE49-F238E27FC236}">
+                <a16:creationId xmlns:a16="http://schemas.microsoft.com/office/drawing/2014/main" id="{142B41A8-9757-1411-3D82-60494806BB33}"/>
+              </a:ext>
+            </a:extLst>
+          </p:cNvPr>
+          <p:cNvSpPr/>
+          <p:nvPr/>
+        </p:nvSpPr>
+        <p:spPr>
+          <a:xfrm rot="5400000">
+            <a:off x="9658355" y="2157135"/>
+            <a:ext cx="307777" cy="157308"/>
+          </a:xfrm>
+          <a:prstGeom prst="rightArrow">
+            <a:avLst>
+              <a:gd name="adj1" fmla="val 50000"/>
+              <a:gd name="adj2" fmla="val 86239"/>
+            </a:avLst>
+          </a:prstGeom>
+          <a:solidFill>
+            <a:srgbClr val="730067"/>
+          </a:solidFill>
+        </p:spPr>
+        <p:style>
+          <a:lnRef idx="2">
+            <a:schemeClr val="accent1">
+              <a:shade val="15000"/>
+            </a:schemeClr>
+          </a:lnRef>
+          <a:fillRef idx="1">
+            <a:schemeClr val="accent1"/>
+          </a:fillRef>
+          <a:effectRef idx="0">
+            <a:schemeClr val="accent1"/>
+          </a:effectRef>
+          <a:fontRef idx="minor">
+            <a:schemeClr val="lt1"/>
+          </a:fontRef>
+        </p:style>
+        <p:txBody>
+          <a:bodyPr rtlCol="0" anchor="ctr"/>
+          <a:lstStyle/>
+          <a:p>
+            <a:pPr algn="ctr"/>
+            <a:endParaRPr lang="zh-CN" altLang="en-US"/>
           </a:p>
         </p:txBody>
       </p:sp>
